--- a/aina-finance-foundations.pptx
+++ b/aina-finance-foundations.pptx
@@ -5,7 +5,7 @@
     <p:sldMasterId id="2147483648" r:id="rId1"/>
   </p:sldMasterIdLst>
   <p:notesMasterIdLst>
-    <p:notesMasterId r:id="rId22"/>
+    <p:notesMasterId r:id="rId23"/>
   </p:notesMasterIdLst>
   <p:sldIdLst>
     <p:sldId id="437" r:id="rId2"/>
@@ -26,8 +26,9 @@
     <p:sldId id="434" r:id="rId17"/>
     <p:sldId id="431" r:id="rId18"/>
     <p:sldId id="545" r:id="rId19"/>
-    <p:sldId id="336" r:id="rId20"/>
-    <p:sldId id="432" r:id="rId21"/>
+    <p:sldId id="546" r:id="rId20"/>
+    <p:sldId id="336" r:id="rId21"/>
+    <p:sldId id="432" r:id="rId22"/>
   </p:sldIdLst>
   <p:sldSz cx="12192000" cy="6858000"/>
   <p:notesSz cx="6858000" cy="9144000"/>
@@ -1846,7 +1847,7 @@
           <a:p>
             <a:fld id="{503F064B-41F2-4661-BDF0-BFD135E9A557}" type="datetimeFigureOut">
               <a:rPr lang="en-US" smtClean="0"/>
-              <a:t>1/10/2022</a:t>
+              <a:t>3/9/2022</a:t>
             </a:fld>
             <a:endParaRPr lang="en-US"/>
           </a:p>
@@ -2409,6 +2410,90 @@
 </p:notes>
 </file>
 
+<file path=ppt/notesSlides/notesSlide12.xml><?xml version="1.0" encoding="utf-8"?>
+<p:notes xmlns:a="http://schemas.openxmlformats.org/drawingml/2006/main" xmlns:r="http://schemas.openxmlformats.org/officeDocument/2006/relationships" xmlns:p="http://schemas.openxmlformats.org/presentationml/2006/main">
+  <p:cSld>
+    <p:spTree>
+      <p:nvGrpSpPr>
+        <p:cNvPr id="1" name=""/>
+        <p:cNvGrpSpPr/>
+        <p:nvPr/>
+      </p:nvGrpSpPr>
+      <p:grpSpPr>
+        <a:xfrm>
+          <a:off x="0" y="0"/>
+          <a:ext cx="0" cy="0"/>
+          <a:chOff x="0" y="0"/>
+          <a:chExt cx="0" cy="0"/>
+        </a:xfrm>
+      </p:grpSpPr>
+      <p:sp>
+        <p:nvSpPr>
+          <p:cNvPr id="2" name="Slide Image Placeholder 1"/>
+          <p:cNvSpPr>
+            <a:spLocks noGrp="1" noRot="1" noChangeAspect="1"/>
+          </p:cNvSpPr>
+          <p:nvPr>
+            <p:ph type="sldImg"/>
+          </p:nvPr>
+        </p:nvSpPr>
+        <p:spPr/>
+      </p:sp>
+      <p:sp>
+        <p:nvSpPr>
+          <p:cNvPr id="3" name="Notes Placeholder 2"/>
+          <p:cNvSpPr>
+            <a:spLocks noGrp="1"/>
+          </p:cNvSpPr>
+          <p:nvPr>
+            <p:ph type="body" idx="1"/>
+          </p:nvPr>
+        </p:nvSpPr>
+        <p:spPr/>
+        <p:txBody>
+          <a:bodyPr/>
+          <a:lstStyle/>
+          <a:p>
+            <a:endParaRPr lang="en-US" dirty="0"/>
+          </a:p>
+        </p:txBody>
+      </p:sp>
+      <p:sp>
+        <p:nvSpPr>
+          <p:cNvPr id="4" name="Slide Number Placeholder 3"/>
+          <p:cNvSpPr>
+            <a:spLocks noGrp="1"/>
+          </p:cNvSpPr>
+          <p:nvPr>
+            <p:ph type="sldNum" sz="quarter" idx="5"/>
+          </p:nvPr>
+        </p:nvSpPr>
+        <p:spPr/>
+        <p:txBody>
+          <a:bodyPr/>
+          <a:lstStyle/>
+          <a:p>
+            <a:fld id="{F9DB3DAC-CD90-4DD2-80B1-E135CFB4F8DD}" type="slidenum">
+              <a:rPr lang="en-US" smtClean="0"/>
+              <a:t>19</a:t>
+            </a:fld>
+            <a:endParaRPr lang="en-US"/>
+          </a:p>
+        </p:txBody>
+      </p:sp>
+    </p:spTree>
+    <p:extLst>
+      <p:ext uri="{BB962C8B-B14F-4D97-AF65-F5344CB8AC3E}">
+        <p14:creationId xmlns:p14="http://schemas.microsoft.com/office/powerpoint/2010/main" val="3683366435"/>
+      </p:ext>
+    </p:extLst>
+  </p:cSld>
+  <p:clrMapOvr>
+    <a:masterClrMapping/>
+  </p:clrMapOvr>
+</p:notes>
+</file>
+
 <file path=ppt/notesSlides/notesSlide2.xml><?xml version="1.0" encoding="utf-8"?>
 <p:notes xmlns:a="http://schemas.openxmlformats.org/drawingml/2006/main" xmlns:r="http://schemas.openxmlformats.org/officeDocument/2006/relationships" xmlns:p="http://schemas.openxmlformats.org/presentationml/2006/main">
   <p:cSld>
@@ -3289,7 +3374,7 @@
           <a:p>
             <a:fld id="{0138B082-EFC2-46C1-B47C-51736C670379}" type="datetimeFigureOut">
               <a:rPr lang="en-US" smtClean="0"/>
-              <a:t>1/10/2022</a:t>
+              <a:t>3/9/2022</a:t>
             </a:fld>
             <a:endParaRPr lang="en-US"/>
           </a:p>
@@ -3457,7 +3542,7 @@
           <a:p>
             <a:fld id="{0138B082-EFC2-46C1-B47C-51736C670379}" type="datetimeFigureOut">
               <a:rPr lang="en-US" smtClean="0"/>
-              <a:t>1/10/2022</a:t>
+              <a:t>3/9/2022</a:t>
             </a:fld>
             <a:endParaRPr lang="en-US"/>
           </a:p>
@@ -3635,7 +3720,7 @@
           <a:p>
             <a:fld id="{0138B082-EFC2-46C1-B47C-51736C670379}" type="datetimeFigureOut">
               <a:rPr lang="en-US" smtClean="0"/>
-              <a:t>1/10/2022</a:t>
+              <a:t>3/9/2022</a:t>
             </a:fld>
             <a:endParaRPr lang="en-US"/>
           </a:p>
@@ -3803,7 +3888,7 @@
           <a:p>
             <a:fld id="{0138B082-EFC2-46C1-B47C-51736C670379}" type="datetimeFigureOut">
               <a:rPr lang="en-US" smtClean="0"/>
-              <a:t>1/10/2022</a:t>
+              <a:t>3/9/2022</a:t>
             </a:fld>
             <a:endParaRPr lang="en-US"/>
           </a:p>
@@ -4048,7 +4133,7 @@
           <a:p>
             <a:fld id="{0138B082-EFC2-46C1-B47C-51736C670379}" type="datetimeFigureOut">
               <a:rPr lang="en-US" smtClean="0"/>
-              <a:t>1/10/2022</a:t>
+              <a:t>3/9/2022</a:t>
             </a:fld>
             <a:endParaRPr lang="en-US"/>
           </a:p>
@@ -4277,7 +4362,7 @@
           <a:p>
             <a:fld id="{0138B082-EFC2-46C1-B47C-51736C670379}" type="datetimeFigureOut">
               <a:rPr lang="en-US" smtClean="0"/>
-              <a:t>1/10/2022</a:t>
+              <a:t>3/9/2022</a:t>
             </a:fld>
             <a:endParaRPr lang="en-US"/>
           </a:p>
@@ -4641,7 +4726,7 @@
           <a:p>
             <a:fld id="{0138B082-EFC2-46C1-B47C-51736C670379}" type="datetimeFigureOut">
               <a:rPr lang="en-US" smtClean="0"/>
-              <a:t>1/10/2022</a:t>
+              <a:t>3/9/2022</a:t>
             </a:fld>
             <a:endParaRPr lang="en-US"/>
           </a:p>
@@ -4758,7 +4843,7 @@
           <a:p>
             <a:fld id="{0138B082-EFC2-46C1-B47C-51736C670379}" type="datetimeFigureOut">
               <a:rPr lang="en-US" smtClean="0"/>
-              <a:t>1/10/2022</a:t>
+              <a:t>3/9/2022</a:t>
             </a:fld>
             <a:endParaRPr lang="en-US"/>
           </a:p>
@@ -4853,7 +4938,7 @@
           <a:p>
             <a:fld id="{0138B082-EFC2-46C1-B47C-51736C670379}" type="datetimeFigureOut">
               <a:rPr lang="en-US" smtClean="0"/>
-              <a:t>1/10/2022</a:t>
+              <a:t>3/9/2022</a:t>
             </a:fld>
             <a:endParaRPr lang="en-US"/>
           </a:p>
@@ -5128,7 +5213,7 @@
           <a:p>
             <a:fld id="{0138B082-EFC2-46C1-B47C-51736C670379}" type="datetimeFigureOut">
               <a:rPr lang="en-US" smtClean="0"/>
-              <a:t>1/10/2022</a:t>
+              <a:t>3/9/2022</a:t>
             </a:fld>
             <a:endParaRPr lang="en-US"/>
           </a:p>
@@ -5380,7 +5465,7 @@
           <a:p>
             <a:fld id="{0138B082-EFC2-46C1-B47C-51736C670379}" type="datetimeFigureOut">
               <a:rPr lang="en-US" smtClean="0"/>
-              <a:t>1/10/2022</a:t>
+              <a:t>3/9/2022</a:t>
             </a:fld>
             <a:endParaRPr lang="en-US"/>
           </a:p>
@@ -5591,7 +5676,7 @@
           <a:p>
             <a:fld id="{0138B082-EFC2-46C1-B47C-51736C670379}" type="datetimeFigureOut">
               <a:rPr lang="en-US" smtClean="0"/>
-              <a:t>1/10/2022</a:t>
+              <a:t>3/9/2022</a:t>
             </a:fld>
             <a:endParaRPr lang="en-US"/>
           </a:p>
@@ -7385,7 +7470,25 @@
                 </a:solidFill>
                 <a:latin typeface="Pragmatica" pitchFamily="2" charset="0"/>
               </a:rPr>
-              <a:t>Does a vehicle’s weight significantly impact its mileage?</a:t>
+              <a:t>Does a </a:t>
+            </a:r>
+            <a:r>
+              <a:rPr lang="en-US" sz="2800" b="1" dirty="0" err="1">
+                <a:solidFill>
+                  <a:srgbClr val="CF3338"/>
+                </a:solidFill>
+                <a:latin typeface="Pragmatica" pitchFamily="2" charset="0"/>
+              </a:rPr>
+              <a:t>homes’s</a:t>
+            </a:r>
+            <a:r>
+              <a:rPr lang="en-US" sz="2800" b="1" dirty="0">
+                <a:solidFill>
+                  <a:srgbClr val="CF3338"/>
+                </a:solidFill>
+                <a:latin typeface="Pragmatica" pitchFamily="2" charset="0"/>
+              </a:rPr>
+              <a:t> lot size significantly impact its price?</a:t>
             </a:r>
           </a:p>
           <a:p>
@@ -7409,7 +7512,7 @@
                 </a:solidFill>
                 <a:latin typeface="Consolas" panose="020B0609020204030204" pitchFamily="49" charset="0"/>
               </a:rPr>
-              <a:t>mpg.ipynb</a:t>
+              <a:t>regression.ipynb</a:t>
             </a:r>
             <a:endParaRPr lang="en-US" sz="2800" b="1" dirty="0">
               <a:solidFill>
@@ -7920,7 +8023,7 @@
         <p:spPr>
           <a:xfrm>
             <a:off x="399871" y="1727960"/>
-            <a:ext cx="7986531" cy="1815882"/>
+            <a:ext cx="7986531" cy="1384995"/>
           </a:xfrm>
           <a:prstGeom prst="rect">
             <a:avLst/>
@@ -7943,15 +8046,10 @@
                   <a:srgbClr val="707070"/>
                 </a:solidFill>
                 <a:latin typeface="Pragmatica" panose="020B0403040502020204" pitchFamily="34" charset="0"/>
+                <a:hlinkClick r:id="rId4"/>
               </a:rPr>
-              <a:t>The underlying math &amp; philosophy of analytics</a:t>
-            </a:r>
-          </a:p>
-          <a:p>
-            <a:pPr marL="514350" indent="-514350">
-              <a:buFont typeface="Arial" panose="020B0604020202020204" pitchFamily="34" charset="0"/>
-              <a:buChar char="•"/>
-            </a:pPr>
+              <a:t>https://stringfestdata.gumroad.com/l/fs-pq</a:t>
+            </a:r>
             <a:r>
               <a:rPr lang="en-US" sz="2800" b="1" dirty="0">
                 <a:solidFill>
@@ -7959,7 +8057,7 @@
                 </a:solidFill>
                 <a:latin typeface="Pragmatica" panose="020B0403040502020204" pitchFamily="34" charset="0"/>
               </a:rPr>
-              <a:t>Data cleaning in R &amp; Python</a:t>
+              <a:t>  </a:t>
             </a:r>
           </a:p>
           <a:p>
@@ -7974,7 +8072,7 @@
                 </a:solidFill>
                 <a:latin typeface="Pragmatica" panose="020B0403040502020204" pitchFamily="34" charset="0"/>
               </a:rPr>
-              <a:t>Further data visualizations</a:t>
+              <a:t>Promocode: CLARKS</a:t>
             </a:r>
           </a:p>
           <a:p>
@@ -8019,11 +8117,58 @@
               <a:rPr lang="en-US" sz="6000" dirty="0">
                 <a:latin typeface="Aliens &amp; cows" panose="00000500000000000000" pitchFamily="2" charset="0"/>
               </a:rPr>
-              <a:t>Cracking the book</a:t>
-            </a:r>
-          </a:p>
-        </p:txBody>
-      </p:sp>
+              <a:t>PQ thank you</a:t>
+            </a:r>
+          </a:p>
+        </p:txBody>
+      </p:sp>
+      <p:pic>
+        <p:nvPicPr>
+          <p:cNvPr id="1026" name="Picture 2">
+            <a:extLst>
+              <a:ext uri="{FF2B5EF4-FFF2-40B4-BE49-F238E27FC236}">
+                <a16:creationId xmlns:a16="http://schemas.microsoft.com/office/drawing/2014/main" id="{0F582902-7D94-4F05-A7B1-44EADD3BD5CA}"/>
+              </a:ext>
+            </a:extLst>
+          </p:cNvPr>
+          <p:cNvPicPr>
+            <a:picLocks noChangeAspect="1" noChangeArrowheads="1"/>
+          </p:cNvPicPr>
+          <p:nvPr/>
+        </p:nvPicPr>
+        <p:blipFill>
+          <a:blip r:embed="rId5">
+            <a:extLst>
+              <a:ext uri="{28A0092B-C50C-407E-A947-70E740481C1C}">
+                <a14:useLocalDpi xmlns:a14="http://schemas.microsoft.com/office/drawing/2010/main" val="0"/>
+              </a:ext>
+            </a:extLst>
+          </a:blip>
+          <a:srcRect/>
+          <a:stretch>
+            <a:fillRect/>
+          </a:stretch>
+        </p:blipFill>
+        <p:spPr bwMode="auto">
+          <a:xfrm>
+            <a:off x="4978829" y="2802835"/>
+            <a:ext cx="7213170" cy="4055165"/>
+          </a:xfrm>
+          <a:prstGeom prst="rect">
+            <a:avLst/>
+          </a:prstGeom>
+          <a:noFill/>
+          <a:extLst>
+            <a:ext uri="{909E8E84-426E-40DD-AFC4-6F175D3DCCD1}">
+              <a14:hiddenFill xmlns:a14="http://schemas.microsoft.com/office/drawing/2010/main">
+                <a:solidFill>
+                  <a:srgbClr val="FFFFFF"/>
+                </a:solidFill>
+              </a14:hiddenFill>
+            </a:ext>
+          </a:extLst>
+        </p:spPr>
+      </p:pic>
     </p:spTree>
     <p:extLst>
       <p:ext uri="{BB962C8B-B14F-4D97-AF65-F5344CB8AC3E}">
@@ -8038,6 +8183,362 @@
 </file>
 
 <file path=ppt/slides/slide19.xml><?xml version="1.0" encoding="utf-8"?>
+<p:sld xmlns:a="http://schemas.openxmlformats.org/drawingml/2006/main" xmlns:r="http://schemas.openxmlformats.org/officeDocument/2006/relationships" xmlns:p="http://schemas.openxmlformats.org/presentationml/2006/main">
+  <p:cSld>
+    <p:spTree>
+      <p:nvGrpSpPr>
+        <p:cNvPr id="1" name=""/>
+        <p:cNvGrpSpPr/>
+        <p:nvPr/>
+      </p:nvGrpSpPr>
+      <p:grpSpPr>
+        <a:xfrm>
+          <a:off x="0" y="0"/>
+          <a:ext cx="0" cy="0"/>
+          <a:chOff x="0" y="0"/>
+          <a:chExt cx="0" cy="0"/>
+        </a:xfrm>
+      </p:grpSpPr>
+      <p:pic>
+        <p:nvPicPr>
+          <p:cNvPr id="10" name="Picture 9"/>
+          <p:cNvPicPr>
+            <a:picLocks noChangeAspect="1"/>
+          </p:cNvPicPr>
+          <p:nvPr/>
+        </p:nvPicPr>
+        <p:blipFill rotWithShape="1">
+          <a:blip r:embed="rId3">
+            <a:extLst>
+              <a:ext uri="{28A0092B-C50C-407E-A947-70E740481C1C}">
+                <a14:useLocalDpi xmlns:a14="http://schemas.microsoft.com/office/drawing/2010/main" val="0"/>
+              </a:ext>
+            </a:extLst>
+          </a:blip>
+          <a:srcRect l="50728" t="56371"/>
+          <a:stretch/>
+        </p:blipFill>
+        <p:spPr>
+          <a:xfrm>
+            <a:off x="10894024" y="5370653"/>
+            <a:ext cx="1297975" cy="1487348"/>
+          </a:xfrm>
+          <a:prstGeom prst="rect">
+            <a:avLst/>
+          </a:prstGeom>
+        </p:spPr>
+      </p:pic>
+      <p:sp>
+        <p:nvSpPr>
+          <p:cNvPr id="14" name="TextBox 13">
+            <a:extLst>
+              <a:ext uri="{FF2B5EF4-FFF2-40B4-BE49-F238E27FC236}">
+                <a16:creationId xmlns:a16="http://schemas.microsoft.com/office/drawing/2014/main" id="{F6C5EE83-44AB-40CE-9233-7437DDE03EA0}"/>
+              </a:ext>
+            </a:extLst>
+          </p:cNvPr>
+          <p:cNvSpPr txBox="1"/>
+          <p:nvPr/>
+        </p:nvSpPr>
+        <p:spPr>
+          <a:xfrm>
+            <a:off x="399871" y="1727960"/>
+            <a:ext cx="7986531" cy="1815882"/>
+          </a:xfrm>
+          <a:prstGeom prst="rect">
+            <a:avLst/>
+          </a:prstGeom>
+          <a:noFill/>
+        </p:spPr>
+        <p:txBody>
+          <a:bodyPr wrap="square" rtlCol="0">
+            <a:spAutoFit/>
+          </a:bodyPr>
+          <a:lstStyle/>
+          <a:p>
+            <a:pPr marL="514350" indent="-514350">
+              <a:buFont typeface="Arial" panose="020B0604020202020204" pitchFamily="34" charset="0"/>
+              <a:buChar char="•"/>
+            </a:pPr>
+            <a:r>
+              <a:rPr lang="en-US" sz="2800" b="1" dirty="0">
+                <a:solidFill>
+                  <a:srgbClr val="707070"/>
+                </a:solidFill>
+                <a:latin typeface="Pragmatica" panose="020B0403040502020204" pitchFamily="34" charset="0"/>
+              </a:rPr>
+              <a:t>The underlying math &amp; philosophy of analytics</a:t>
+            </a:r>
+          </a:p>
+          <a:p>
+            <a:pPr marL="514350" indent="-514350">
+              <a:buFont typeface="Arial" panose="020B0604020202020204" pitchFamily="34" charset="0"/>
+              <a:buChar char="•"/>
+            </a:pPr>
+            <a:r>
+              <a:rPr lang="en-US" sz="2800" b="1" dirty="0">
+                <a:solidFill>
+                  <a:srgbClr val="707070"/>
+                </a:solidFill>
+                <a:latin typeface="Pragmatica" panose="020B0403040502020204" pitchFamily="34" charset="0"/>
+              </a:rPr>
+              <a:t>Data cleaning in R &amp; Python</a:t>
+            </a:r>
+          </a:p>
+          <a:p>
+            <a:pPr marL="514350" indent="-514350">
+              <a:buFont typeface="Arial" panose="020B0604020202020204" pitchFamily="34" charset="0"/>
+              <a:buChar char="•"/>
+            </a:pPr>
+            <a:r>
+              <a:rPr lang="en-US" sz="2800" b="1" dirty="0">
+                <a:solidFill>
+                  <a:srgbClr val="707070"/>
+                </a:solidFill>
+                <a:latin typeface="Pragmatica" panose="020B0403040502020204" pitchFamily="34" charset="0"/>
+              </a:rPr>
+              <a:t>Further data visualizations</a:t>
+            </a:r>
+          </a:p>
+          <a:p>
+            <a:endParaRPr lang="en-US" sz="2800" b="1" dirty="0">
+              <a:solidFill>
+                <a:srgbClr val="707070"/>
+              </a:solidFill>
+              <a:latin typeface="Pragmatica" panose="020B0403040502020204" pitchFamily="34" charset="0"/>
+            </a:endParaRPr>
+          </a:p>
+        </p:txBody>
+      </p:sp>
+      <p:sp>
+        <p:nvSpPr>
+          <p:cNvPr id="17" name="TextBox 16">
+            <a:extLst>
+              <a:ext uri="{FF2B5EF4-FFF2-40B4-BE49-F238E27FC236}">
+                <a16:creationId xmlns:a16="http://schemas.microsoft.com/office/drawing/2014/main" id="{247B7D4D-86A2-4C05-8B53-B00B9FEDB7BD}"/>
+              </a:ext>
+            </a:extLst>
+          </p:cNvPr>
+          <p:cNvSpPr txBox="1"/>
+          <p:nvPr/>
+        </p:nvSpPr>
+        <p:spPr>
+          <a:xfrm>
+            <a:off x="347240" y="113388"/>
+            <a:ext cx="9799937" cy="1015663"/>
+          </a:xfrm>
+          <a:prstGeom prst="rect">
+            <a:avLst/>
+          </a:prstGeom>
+          <a:noFill/>
+        </p:spPr>
+        <p:txBody>
+          <a:bodyPr wrap="square" rtlCol="0">
+            <a:spAutoFit/>
+          </a:bodyPr>
+          <a:lstStyle/>
+          <a:p>
+            <a:r>
+              <a:rPr lang="en-US" sz="6000" dirty="0">
+                <a:latin typeface="Aliens &amp; cows" panose="00000500000000000000" pitchFamily="2" charset="0"/>
+              </a:rPr>
+              <a:t>Cracking the book</a:t>
+            </a:r>
+          </a:p>
+        </p:txBody>
+      </p:sp>
+    </p:spTree>
+    <p:extLst>
+      <p:ext uri="{BB962C8B-B14F-4D97-AF65-F5344CB8AC3E}">
+        <p14:creationId xmlns:p14="http://schemas.microsoft.com/office/powerpoint/2010/main" val="3758888150"/>
+      </p:ext>
+    </p:extLst>
+  </p:cSld>
+  <p:clrMapOvr>
+    <a:masterClrMapping/>
+  </p:clrMapOvr>
+</p:sld>
+</file>
+
+<file path=ppt/slides/slide2.xml><?xml version="1.0" encoding="utf-8"?>
+<p:sld xmlns:a="http://schemas.openxmlformats.org/drawingml/2006/main" xmlns:r="http://schemas.openxmlformats.org/officeDocument/2006/relationships" xmlns:p="http://schemas.openxmlformats.org/presentationml/2006/main">
+  <p:cSld>
+    <p:spTree>
+      <p:nvGrpSpPr>
+        <p:cNvPr id="1" name=""/>
+        <p:cNvGrpSpPr/>
+        <p:nvPr/>
+      </p:nvGrpSpPr>
+      <p:grpSpPr>
+        <a:xfrm>
+          <a:off x="0" y="0"/>
+          <a:ext cx="0" cy="0"/>
+          <a:chOff x="0" y="0"/>
+          <a:chExt cx="0" cy="0"/>
+        </a:xfrm>
+      </p:grpSpPr>
+      <p:pic>
+        <p:nvPicPr>
+          <p:cNvPr id="10" name="Picture 9"/>
+          <p:cNvPicPr>
+            <a:picLocks noChangeAspect="1"/>
+          </p:cNvPicPr>
+          <p:nvPr/>
+        </p:nvPicPr>
+        <p:blipFill rotWithShape="1">
+          <a:blip r:embed="rId3">
+            <a:extLst>
+              <a:ext uri="{28A0092B-C50C-407E-A947-70E740481C1C}">
+                <a14:useLocalDpi xmlns:a14="http://schemas.microsoft.com/office/drawing/2010/main" val="0"/>
+              </a:ext>
+            </a:extLst>
+          </a:blip>
+          <a:srcRect l="50728" t="56371"/>
+          <a:stretch/>
+        </p:blipFill>
+        <p:spPr>
+          <a:xfrm>
+            <a:off x="10894024" y="5370653"/>
+            <a:ext cx="1297975" cy="1487348"/>
+          </a:xfrm>
+          <a:prstGeom prst="rect">
+            <a:avLst/>
+          </a:prstGeom>
+        </p:spPr>
+      </p:pic>
+      <p:sp>
+        <p:nvSpPr>
+          <p:cNvPr id="11" name="TextBox 10"/>
+          <p:cNvSpPr txBox="1"/>
+          <p:nvPr/>
+        </p:nvSpPr>
+        <p:spPr>
+          <a:xfrm>
+            <a:off x="347240" y="113388"/>
+            <a:ext cx="9799937" cy="1015663"/>
+          </a:xfrm>
+          <a:prstGeom prst="rect">
+            <a:avLst/>
+          </a:prstGeom>
+          <a:noFill/>
+        </p:spPr>
+        <p:txBody>
+          <a:bodyPr wrap="square" rtlCol="0">
+            <a:spAutoFit/>
+          </a:bodyPr>
+          <a:lstStyle/>
+          <a:p>
+            <a:r>
+              <a:rPr lang="en-US" sz="6000" dirty="0">
+                <a:latin typeface="Aliens &amp; cows" panose="00000500000000000000" pitchFamily="2" charset="0"/>
+              </a:rPr>
+              <a:t>Chat me up…</a:t>
+            </a:r>
+          </a:p>
+        </p:txBody>
+      </p:sp>
+      <p:sp>
+        <p:nvSpPr>
+          <p:cNvPr id="3" name="TextBox 2"/>
+          <p:cNvSpPr txBox="1"/>
+          <p:nvPr/>
+        </p:nvSpPr>
+        <p:spPr>
+          <a:xfrm>
+            <a:off x="462987" y="1365813"/>
+            <a:ext cx="9595413" cy="2246769"/>
+          </a:xfrm>
+          <a:prstGeom prst="rect">
+            <a:avLst/>
+          </a:prstGeom>
+          <a:noFill/>
+        </p:spPr>
+        <p:txBody>
+          <a:bodyPr wrap="square" rtlCol="0">
+            <a:spAutoFit/>
+          </a:bodyPr>
+          <a:lstStyle/>
+          <a:p>
+            <a:pPr marL="285750" indent="-285750">
+              <a:buFont typeface="Arial" panose="020B0604020202020204" pitchFamily="34" charset="0"/>
+              <a:buChar char="•"/>
+            </a:pPr>
+            <a:r>
+              <a:rPr lang="en-US" sz="2800" dirty="0">
+                <a:solidFill>
+                  <a:srgbClr val="707070"/>
+                </a:solidFill>
+                <a:latin typeface="Pragmatica" panose="020B0403040502020204" pitchFamily="34" charset="0"/>
+              </a:rPr>
+              <a:t>What excites you about these topics? What scares you?</a:t>
+            </a:r>
+          </a:p>
+          <a:p>
+            <a:pPr marL="285750" indent="-285750">
+              <a:buFont typeface="Arial" panose="020B0604020202020204" pitchFamily="34" charset="0"/>
+              <a:buChar char="•"/>
+            </a:pPr>
+            <a:r>
+              <a:rPr lang="en-US" sz="2800" dirty="0">
+                <a:solidFill>
+                  <a:srgbClr val="707070"/>
+                </a:solidFill>
+                <a:latin typeface="Pragmatica" panose="020B0403040502020204" pitchFamily="34" charset="0"/>
+              </a:rPr>
+              <a:t>What finance areas are you coming from? (Poll)</a:t>
+            </a:r>
+          </a:p>
+          <a:p>
+            <a:pPr marL="285750" indent="-285750">
+              <a:buFont typeface="Arial" panose="020B0604020202020204" pitchFamily="34" charset="0"/>
+              <a:buChar char="•"/>
+            </a:pPr>
+            <a:r>
+              <a:rPr lang="en-US" sz="2800" dirty="0">
+                <a:solidFill>
+                  <a:srgbClr val="707070"/>
+                </a:solidFill>
+                <a:latin typeface="Pragmatica" panose="020B0403040502020204" pitchFamily="34" charset="0"/>
+              </a:rPr>
+              <a:t>What use cases are you interested in?</a:t>
+            </a:r>
+          </a:p>
+          <a:p>
+            <a:pPr marL="285750" indent="-285750">
+              <a:buFont typeface="Arial" panose="020B0604020202020204" pitchFamily="34" charset="0"/>
+              <a:buChar char="•"/>
+            </a:pPr>
+            <a:endParaRPr lang="en-US" sz="2800" dirty="0">
+              <a:solidFill>
+                <a:srgbClr val="707070"/>
+              </a:solidFill>
+              <a:latin typeface="Pragmatica" panose="020B0403040502020204" pitchFamily="34" charset="0"/>
+            </a:endParaRPr>
+          </a:p>
+          <a:p>
+            <a:endParaRPr lang="en-US" sz="2800" dirty="0">
+              <a:solidFill>
+                <a:srgbClr val="707070"/>
+              </a:solidFill>
+              <a:latin typeface="Pragmatica" panose="020B0403040502020204" pitchFamily="34" charset="0"/>
+            </a:endParaRPr>
+          </a:p>
+        </p:txBody>
+      </p:sp>
+    </p:spTree>
+    <p:extLst>
+      <p:ext uri="{BB962C8B-B14F-4D97-AF65-F5344CB8AC3E}">
+        <p14:creationId xmlns:p14="http://schemas.microsoft.com/office/powerpoint/2010/main" val="648952694"/>
+      </p:ext>
+    </p:extLst>
+  </p:cSld>
+  <p:clrMapOvr>
+    <a:masterClrMapping/>
+  </p:clrMapOvr>
+</p:sld>
+</file>
+
+<file path=ppt/slides/slide20.xml><?xml version="1.0" encoding="utf-8"?>
 <p:sld xmlns:a="http://schemas.openxmlformats.org/drawingml/2006/main" xmlns:r="http://schemas.openxmlformats.org/officeDocument/2006/relationships" xmlns:p="http://schemas.openxmlformats.org/presentationml/2006/main">
   <p:cSld>
     <p:spTree>
@@ -8184,185 +8685,7 @@
 </p:sld>
 </file>
 
-<file path=ppt/slides/slide2.xml><?xml version="1.0" encoding="utf-8"?>
-<p:sld xmlns:a="http://schemas.openxmlformats.org/drawingml/2006/main" xmlns:r="http://schemas.openxmlformats.org/officeDocument/2006/relationships" xmlns:p="http://schemas.openxmlformats.org/presentationml/2006/main">
-  <p:cSld>
-    <p:spTree>
-      <p:nvGrpSpPr>
-        <p:cNvPr id="1" name=""/>
-        <p:cNvGrpSpPr/>
-        <p:nvPr/>
-      </p:nvGrpSpPr>
-      <p:grpSpPr>
-        <a:xfrm>
-          <a:off x="0" y="0"/>
-          <a:ext cx="0" cy="0"/>
-          <a:chOff x="0" y="0"/>
-          <a:chExt cx="0" cy="0"/>
-        </a:xfrm>
-      </p:grpSpPr>
-      <p:pic>
-        <p:nvPicPr>
-          <p:cNvPr id="10" name="Picture 9"/>
-          <p:cNvPicPr>
-            <a:picLocks noChangeAspect="1"/>
-          </p:cNvPicPr>
-          <p:nvPr/>
-        </p:nvPicPr>
-        <p:blipFill rotWithShape="1">
-          <a:blip r:embed="rId3">
-            <a:extLst>
-              <a:ext uri="{28A0092B-C50C-407E-A947-70E740481C1C}">
-                <a14:useLocalDpi xmlns:a14="http://schemas.microsoft.com/office/drawing/2010/main" val="0"/>
-              </a:ext>
-            </a:extLst>
-          </a:blip>
-          <a:srcRect l="50728" t="56371"/>
-          <a:stretch/>
-        </p:blipFill>
-        <p:spPr>
-          <a:xfrm>
-            <a:off x="10894024" y="5370653"/>
-            <a:ext cx="1297975" cy="1487348"/>
-          </a:xfrm>
-          <a:prstGeom prst="rect">
-            <a:avLst/>
-          </a:prstGeom>
-        </p:spPr>
-      </p:pic>
-      <p:sp>
-        <p:nvSpPr>
-          <p:cNvPr id="11" name="TextBox 10"/>
-          <p:cNvSpPr txBox="1"/>
-          <p:nvPr/>
-        </p:nvSpPr>
-        <p:spPr>
-          <a:xfrm>
-            <a:off x="347240" y="113388"/>
-            <a:ext cx="9799937" cy="1015663"/>
-          </a:xfrm>
-          <a:prstGeom prst="rect">
-            <a:avLst/>
-          </a:prstGeom>
-          <a:noFill/>
-        </p:spPr>
-        <p:txBody>
-          <a:bodyPr wrap="square" rtlCol="0">
-            <a:spAutoFit/>
-          </a:bodyPr>
-          <a:lstStyle/>
-          <a:p>
-            <a:r>
-              <a:rPr lang="en-US" sz="6000" dirty="0">
-                <a:latin typeface="Aliens &amp; cows" panose="00000500000000000000" pitchFamily="2" charset="0"/>
-              </a:rPr>
-              <a:t>Chat me up…</a:t>
-            </a:r>
-          </a:p>
-        </p:txBody>
-      </p:sp>
-      <p:sp>
-        <p:nvSpPr>
-          <p:cNvPr id="3" name="TextBox 2"/>
-          <p:cNvSpPr txBox="1"/>
-          <p:nvPr/>
-        </p:nvSpPr>
-        <p:spPr>
-          <a:xfrm>
-            <a:off x="462987" y="1365813"/>
-            <a:ext cx="9595413" cy="2246769"/>
-          </a:xfrm>
-          <a:prstGeom prst="rect">
-            <a:avLst/>
-          </a:prstGeom>
-          <a:noFill/>
-        </p:spPr>
-        <p:txBody>
-          <a:bodyPr wrap="square" rtlCol="0">
-            <a:spAutoFit/>
-          </a:bodyPr>
-          <a:lstStyle/>
-          <a:p>
-            <a:pPr marL="285750" indent="-285750">
-              <a:buFont typeface="Arial" panose="020B0604020202020204" pitchFamily="34" charset="0"/>
-              <a:buChar char="•"/>
-            </a:pPr>
-            <a:r>
-              <a:rPr lang="en-US" sz="2800" dirty="0">
-                <a:solidFill>
-                  <a:srgbClr val="707070"/>
-                </a:solidFill>
-                <a:latin typeface="Pragmatica" panose="020B0403040502020204" pitchFamily="34" charset="0"/>
-              </a:rPr>
-              <a:t>What excites you about these topics? What scares you?</a:t>
-            </a:r>
-          </a:p>
-          <a:p>
-            <a:pPr marL="285750" indent="-285750">
-              <a:buFont typeface="Arial" panose="020B0604020202020204" pitchFamily="34" charset="0"/>
-              <a:buChar char="•"/>
-            </a:pPr>
-            <a:r>
-              <a:rPr lang="en-US" sz="2800" dirty="0">
-                <a:solidFill>
-                  <a:srgbClr val="707070"/>
-                </a:solidFill>
-                <a:latin typeface="Pragmatica" panose="020B0403040502020204" pitchFamily="34" charset="0"/>
-              </a:rPr>
-              <a:t>What finance areas are you coming from? (Poll)</a:t>
-            </a:r>
-          </a:p>
-          <a:p>
-            <a:pPr marL="285750" indent="-285750">
-              <a:buFont typeface="Arial" panose="020B0604020202020204" pitchFamily="34" charset="0"/>
-              <a:buChar char="•"/>
-            </a:pPr>
-            <a:r>
-              <a:rPr lang="en-US" sz="2800" dirty="0">
-                <a:solidFill>
-                  <a:srgbClr val="707070"/>
-                </a:solidFill>
-                <a:latin typeface="Pragmatica" panose="020B0403040502020204" pitchFamily="34" charset="0"/>
-              </a:rPr>
-              <a:t>What use cases are you interested in?</a:t>
-            </a:r>
-          </a:p>
-          <a:p>
-            <a:pPr marL="285750" indent="-285750">
-              <a:buFont typeface="Arial" panose="020B0604020202020204" pitchFamily="34" charset="0"/>
-              <a:buChar char="•"/>
-            </a:pPr>
-            <a:endParaRPr lang="en-US" sz="2800" dirty="0">
-              <a:solidFill>
-                <a:srgbClr val="707070"/>
-              </a:solidFill>
-              <a:latin typeface="Pragmatica" panose="020B0403040502020204" pitchFamily="34" charset="0"/>
-            </a:endParaRPr>
-          </a:p>
-          <a:p>
-            <a:endParaRPr lang="en-US" sz="2800" dirty="0">
-              <a:solidFill>
-                <a:srgbClr val="707070"/>
-              </a:solidFill>
-              <a:latin typeface="Pragmatica" panose="020B0403040502020204" pitchFamily="34" charset="0"/>
-            </a:endParaRPr>
-          </a:p>
-        </p:txBody>
-      </p:sp>
-    </p:spTree>
-    <p:extLst>
-      <p:ext uri="{BB962C8B-B14F-4D97-AF65-F5344CB8AC3E}">
-        <p14:creationId xmlns:p14="http://schemas.microsoft.com/office/powerpoint/2010/main" val="648952694"/>
-      </p:ext>
-    </p:extLst>
-  </p:cSld>
-  <p:clrMapOvr>
-    <a:masterClrMapping/>
-  </p:clrMapOvr>
-</p:sld>
-</file>
-
-<file path=ppt/slides/slide20.xml><?xml version="1.0" encoding="utf-8"?>
+<file path=ppt/slides/slide21.xml><?xml version="1.0" encoding="utf-8"?>
 <p:sld xmlns:a="http://schemas.openxmlformats.org/drawingml/2006/main" xmlns:r="http://schemas.openxmlformats.org/officeDocument/2006/relationships" xmlns:p="http://schemas.openxmlformats.org/presentationml/2006/main">
   <p:cSld>
     <p:spTree>
